--- a/Machine_Learning/Cat_Hispsterize/VScode/image2.pptx
+++ b/Machine_Learning/Cat_Hispsterize/VScode/image2.pptx
@@ -109,6 +109,22 @@
       </a:defRPr>
     </a:lvl9pPr>
   </p:defaultTextStyle>
+  <p:extLst>
+    <p:ext uri="{EFAFB233-063F-42B5-8137-9DF3F51BA10A}">
+      <p15:sldGuideLst xmlns:p15="http://schemas.microsoft.com/office/powerpoint/2012/main">
+        <p15:guide id="1" orient="horz" pos="2160">
+          <p15:clr>
+            <a:srgbClr val="A4A3A4"/>
+          </p15:clr>
+        </p15:guide>
+        <p15:guide id="2" pos="2880">
+          <p15:clr>
+            <a:srgbClr val="A4A3A4"/>
+          </p15:clr>
+        </p15:guide>
+      </p15:sldGuideLst>
+    </p:ext>
+  </p:extLst>
 </p:presentation>
 </file>
 
@@ -293,7 +309,7 @@
           <a:p>
             <a:fld id="{B07A74E9-8D27-450D-9770-0A07A9C289DB}" type="datetimeFigureOut">
               <a:rPr lang="ko-KR" altLang="en-US" smtClean="0"/>
-              <a:t>2019-07-30</a:t>
+              <a:t>2019-08-10</a:t>
             </a:fld>
             <a:endParaRPr lang="ko-KR" altLang="en-US"/>
           </a:p>
@@ -463,7 +479,7 @@
           <a:p>
             <a:fld id="{B07A74E9-8D27-450D-9770-0A07A9C289DB}" type="datetimeFigureOut">
               <a:rPr lang="ko-KR" altLang="en-US" smtClean="0"/>
-              <a:t>2019-07-30</a:t>
+              <a:t>2019-08-10</a:t>
             </a:fld>
             <a:endParaRPr lang="ko-KR" altLang="en-US"/>
           </a:p>
@@ -643,7 +659,7 @@
           <a:p>
             <a:fld id="{B07A74E9-8D27-450D-9770-0A07A9C289DB}" type="datetimeFigureOut">
               <a:rPr lang="ko-KR" altLang="en-US" smtClean="0"/>
-              <a:t>2019-07-30</a:t>
+              <a:t>2019-08-10</a:t>
             </a:fld>
             <a:endParaRPr lang="ko-KR" altLang="en-US"/>
           </a:p>
@@ -813,7 +829,7 @@
           <a:p>
             <a:fld id="{B07A74E9-8D27-450D-9770-0A07A9C289DB}" type="datetimeFigureOut">
               <a:rPr lang="ko-KR" altLang="en-US" smtClean="0"/>
-              <a:t>2019-07-30</a:t>
+              <a:t>2019-08-10</a:t>
             </a:fld>
             <a:endParaRPr lang="ko-KR" altLang="en-US"/>
           </a:p>
@@ -1059,7 +1075,7 @@
           <a:p>
             <a:fld id="{B07A74E9-8D27-450D-9770-0A07A9C289DB}" type="datetimeFigureOut">
               <a:rPr lang="ko-KR" altLang="en-US" smtClean="0"/>
-              <a:t>2019-07-30</a:t>
+              <a:t>2019-08-10</a:t>
             </a:fld>
             <a:endParaRPr lang="ko-KR" altLang="en-US"/>
           </a:p>
@@ -1347,7 +1363,7 @@
           <a:p>
             <a:fld id="{B07A74E9-8D27-450D-9770-0A07A9C289DB}" type="datetimeFigureOut">
               <a:rPr lang="ko-KR" altLang="en-US" smtClean="0"/>
-              <a:t>2019-07-30</a:t>
+              <a:t>2019-08-10</a:t>
             </a:fld>
             <a:endParaRPr lang="ko-KR" altLang="en-US"/>
           </a:p>
@@ -1769,7 +1785,7 @@
           <a:p>
             <a:fld id="{B07A74E9-8D27-450D-9770-0A07A9C289DB}" type="datetimeFigureOut">
               <a:rPr lang="ko-KR" altLang="en-US" smtClean="0"/>
-              <a:t>2019-07-30</a:t>
+              <a:t>2019-08-10</a:t>
             </a:fld>
             <a:endParaRPr lang="ko-KR" altLang="en-US"/>
           </a:p>
@@ -1887,7 +1903,7 @@
           <a:p>
             <a:fld id="{B07A74E9-8D27-450D-9770-0A07A9C289DB}" type="datetimeFigureOut">
               <a:rPr lang="ko-KR" altLang="en-US" smtClean="0"/>
-              <a:t>2019-07-30</a:t>
+              <a:t>2019-08-10</a:t>
             </a:fld>
             <a:endParaRPr lang="ko-KR" altLang="en-US"/>
           </a:p>
@@ -1982,7 +1998,7 @@
           <a:p>
             <a:fld id="{B07A74E9-8D27-450D-9770-0A07A9C289DB}" type="datetimeFigureOut">
               <a:rPr lang="ko-KR" altLang="en-US" smtClean="0"/>
-              <a:t>2019-07-30</a:t>
+              <a:t>2019-08-10</a:t>
             </a:fld>
             <a:endParaRPr lang="ko-KR" altLang="en-US"/>
           </a:p>
@@ -2259,7 +2275,7 @@
           <a:p>
             <a:fld id="{B07A74E9-8D27-450D-9770-0A07A9C289DB}" type="datetimeFigureOut">
               <a:rPr lang="ko-KR" altLang="en-US" smtClean="0"/>
-              <a:t>2019-07-30</a:t>
+              <a:t>2019-08-10</a:t>
             </a:fld>
             <a:endParaRPr lang="ko-KR" altLang="en-US"/>
           </a:p>
@@ -2512,7 +2528,7 @@
           <a:p>
             <a:fld id="{B07A74E9-8D27-450D-9770-0A07A9C289DB}" type="datetimeFigureOut">
               <a:rPr lang="ko-KR" altLang="en-US" smtClean="0"/>
-              <a:t>2019-07-30</a:t>
+              <a:t>2019-08-10</a:t>
             </a:fld>
             <a:endParaRPr lang="ko-KR" altLang="en-US"/>
           </a:p>
@@ -2725,7 +2741,7 @@
           <a:p>
             <a:fld id="{B07A74E9-8D27-450D-9770-0A07A9C289DB}" type="datetimeFigureOut">
               <a:rPr lang="ko-KR" altLang="en-US" smtClean="0"/>
-              <a:t>2019-07-30</a:t>
+              <a:t>2019-08-10</a:t>
             </a:fld>
             <a:endParaRPr lang="ko-KR" altLang="en-US"/>
           </a:p>
@@ -3786,7 +3802,7 @@
       </p:pic>
       <p:pic>
         <p:nvPicPr>
-          <p:cNvPr id="8" name="Picture 6" descr="D:\workspace-Jwp\python\Project\Machine_Learning\Cat_Hispsterize\images\1.png"/>
+          <p:cNvPr id="4" name="Picture 6" descr="D:\workspace-Jwp\python\Project\Machine_Learning\Cat_Hispsterize\images\1.png"/>
           <p:cNvPicPr>
             <a:picLocks noChangeAspect="1" noChangeArrowheads="1"/>
           </p:cNvPicPr>
@@ -3819,8 +3835,8 @@
         </p:blipFill>
         <p:spPr bwMode="auto">
           <a:xfrm rot="305466">
-            <a:off x="7026557" y="1635086"/>
-            <a:ext cx="1846671" cy="1846671"/>
+            <a:off x="3860325" y="2173850"/>
+            <a:ext cx="1678793" cy="1678793"/>
           </a:xfrm>
           <a:prstGeom prst="rect">
             <a:avLst/>
